--- a/2024/Presentation/React Router.pptx
+++ b/2024/Presentation/React Router.pptx
@@ -106,6 +106,11 @@
       </a:defRPr>
     </a:lvl9pPr>
   </p:defaultTextStyle>
+  <p:extLst>
+    <p:ext uri="{EFAFB233-063F-42B5-8137-9DF3F51BA10A}">
+      <p15:sldGuideLst xmlns:p15="http://schemas.microsoft.com/office/powerpoint/2012/main"/>
+    </p:ext>
+  </p:extLst>
 </p:presentation>
 </file>
 
@@ -226,6 +231,13 @@
             <a:schemeClr val="lt1"/>
           </a:fontRef>
         </p:style>
+        <p:txBody>
+          <a:bodyPr/>
+          <a:lstStyle/>
+          <a:p>
+            <a:endParaRPr lang="en-IN"/>
+          </a:p>
+        </p:txBody>
       </p:sp>
       <p:sp>
         <p:nvSpPr>
@@ -264,6 +276,13 @@
             <a:schemeClr val="lt1"/>
           </a:fontRef>
         </p:style>
+        <p:txBody>
+          <a:bodyPr/>
+          <a:lstStyle/>
+          <a:p>
+            <a:endParaRPr lang="en-IN"/>
+          </a:p>
+        </p:txBody>
       </p:sp>
       <p:sp>
         <p:nvSpPr>
@@ -383,7 +402,7 @@
           <a:p>
             <a:fld id="{ECD3910F-7A77-41D4-87AA-47FCD237B16D}" type="datetimeFigureOut">
               <a:rPr lang="en-US" smtClean="0"/>
-              <a:t>12/11/2024</a:t>
+              <a:t>11/28/2025</a:t>
             </a:fld>
             <a:endParaRPr lang="en-US"/>
           </a:p>
@@ -446,13 +465,13 @@
   <p:clrMapOvr>
     <a:masterClrMapping/>
   </p:clrMapOvr>
-  <mc:AlternateContent xmlns:mc="http://schemas.openxmlformats.org/markup-compatibility/2006">
-    <mc:Choice xmlns:p159="http://schemas.microsoft.com/office/powerpoint/2015/09/main" Requires="p159">
+  <mc:AlternateContent xmlns:mc="http://schemas.openxmlformats.org/markup-compatibility/2006" xmlns:p159="http://schemas.microsoft.com/office/powerpoint/2015/09/main">
+    <mc:Choice Requires="p159">
       <p:transition>
         <p159:morph option="byChar"/>
       </p:transition>
     </mc:Choice>
-    <mc:Fallback>
+    <mc:Fallback xmlns="">
       <p:transition>
         <p:fade/>
       </p:transition>
@@ -809,7 +828,7 @@
           <a:p>
             <a:fld id="{ECD3910F-7A77-41D4-87AA-47FCD237B16D}" type="datetimeFigureOut">
               <a:rPr lang="en-US" smtClean="0"/>
-              <a:t>12/11/2024</a:t>
+              <a:t>11/28/2025</a:t>
             </a:fld>
             <a:endParaRPr lang="en-US"/>
           </a:p>
@@ -872,13 +891,13 @@
   <p:clrMapOvr>
     <a:masterClrMapping/>
   </p:clrMapOvr>
-  <mc:AlternateContent xmlns:mc="http://schemas.openxmlformats.org/markup-compatibility/2006">
-    <mc:Choice xmlns:p159="http://schemas.microsoft.com/office/powerpoint/2015/09/main" Requires="p159">
+  <mc:AlternateContent xmlns:mc="http://schemas.openxmlformats.org/markup-compatibility/2006" xmlns:p159="http://schemas.microsoft.com/office/powerpoint/2015/09/main">
+    <mc:Choice Requires="p159">
       <p:transition>
         <p159:morph option="byChar"/>
       </p:transition>
     </mc:Choice>
-    <mc:Fallback>
+    <mc:Fallback xmlns="">
       <p:transition>
         <p:fade/>
       </p:transition>
@@ -1157,7 +1176,7 @@
           <a:p>
             <a:fld id="{ECD3910F-7A77-41D4-87AA-47FCD237B16D}" type="datetimeFigureOut">
               <a:rPr lang="en-US" smtClean="0"/>
-              <a:t>12/11/2024</a:t>
+              <a:t>11/28/2025</a:t>
             </a:fld>
             <a:endParaRPr lang="en-US"/>
           </a:p>
@@ -1220,13 +1239,13 @@
   <p:clrMapOvr>
     <a:masterClrMapping/>
   </p:clrMapOvr>
-  <mc:AlternateContent xmlns:mc="http://schemas.openxmlformats.org/markup-compatibility/2006">
-    <mc:Choice xmlns:p159="http://schemas.microsoft.com/office/powerpoint/2015/09/main" Requires="p159">
+  <mc:AlternateContent xmlns:mc="http://schemas.openxmlformats.org/markup-compatibility/2006" xmlns:p159="http://schemas.microsoft.com/office/powerpoint/2015/09/main">
+    <mc:Choice Requires="p159">
       <p:transition>
         <p159:morph option="byChar"/>
       </p:transition>
     </mc:Choice>
-    <mc:Fallback>
+    <mc:Fallback xmlns="">
       <p:transition>
         <p:fade/>
       </p:transition>
@@ -1574,7 +1593,7 @@
           <a:p>
             <a:fld id="{ECD3910F-7A77-41D4-87AA-47FCD237B16D}" type="datetimeFigureOut">
               <a:rPr lang="en-US" smtClean="0"/>
-              <a:t>12/11/2024</a:t>
+              <a:t>11/28/2025</a:t>
             </a:fld>
             <a:endParaRPr lang="en-US"/>
           </a:p>
@@ -1869,13 +1888,13 @@
   <p:clrMapOvr>
     <a:masterClrMapping/>
   </p:clrMapOvr>
-  <mc:AlternateContent xmlns:mc="http://schemas.openxmlformats.org/markup-compatibility/2006">
-    <mc:Choice xmlns:p159="http://schemas.microsoft.com/office/powerpoint/2015/09/main" Requires="p159">
+  <mc:AlternateContent xmlns:mc="http://schemas.openxmlformats.org/markup-compatibility/2006" xmlns:p159="http://schemas.microsoft.com/office/powerpoint/2015/09/main">
+    <mc:Choice Requires="p159">
       <p:transition>
         <p159:morph option="byChar"/>
       </p:transition>
     </mc:Choice>
-    <mc:Fallback>
+    <mc:Fallback xmlns="">
       <p:transition>
         <p:fade/>
       </p:transition>
@@ -2154,7 +2173,7 @@
           <a:p>
             <a:fld id="{ECD3910F-7A77-41D4-87AA-47FCD237B16D}" type="datetimeFigureOut">
               <a:rPr lang="en-US" smtClean="0"/>
-              <a:t>12/11/2024</a:t>
+              <a:t>11/28/2025</a:t>
             </a:fld>
             <a:endParaRPr lang="en-US"/>
           </a:p>
@@ -2217,13 +2236,13 @@
   <p:clrMapOvr>
     <a:masterClrMapping/>
   </p:clrMapOvr>
-  <mc:AlternateContent xmlns:mc="http://schemas.openxmlformats.org/markup-compatibility/2006">
-    <mc:Choice xmlns:p159="http://schemas.microsoft.com/office/powerpoint/2015/09/main" Requires="p159">
+  <mc:AlternateContent xmlns:mc="http://schemas.openxmlformats.org/markup-compatibility/2006" xmlns:p159="http://schemas.microsoft.com/office/powerpoint/2015/09/main">
+    <mc:Choice Requires="p159">
       <p:transition>
         <p159:morph option="byChar"/>
       </p:transition>
     </mc:Choice>
-    <mc:Fallback>
+    <mc:Fallback xmlns="">
       <p:transition>
         <p:fade/>
       </p:transition>
@@ -2847,7 +2866,7 @@
           <a:p>
             <a:fld id="{ECD3910F-7A77-41D4-87AA-47FCD237B16D}" type="datetimeFigureOut">
               <a:rPr lang="en-US" smtClean="0"/>
-              <a:t>12/11/2024</a:t>
+              <a:t>11/28/2025</a:t>
             </a:fld>
             <a:endParaRPr lang="en-US"/>
           </a:p>
@@ -2905,13 +2924,13 @@
   <p:clrMapOvr>
     <a:masterClrMapping/>
   </p:clrMapOvr>
-  <mc:AlternateContent xmlns:mc="http://schemas.openxmlformats.org/markup-compatibility/2006">
-    <mc:Choice xmlns:p159="http://schemas.microsoft.com/office/powerpoint/2015/09/main" Requires="p159">
+  <mc:AlternateContent xmlns:mc="http://schemas.openxmlformats.org/markup-compatibility/2006" xmlns:p159="http://schemas.microsoft.com/office/powerpoint/2015/09/main">
+    <mc:Choice Requires="p159">
       <p:transition>
         <p159:morph option="byChar"/>
       </p:transition>
     </mc:Choice>
-    <mc:Fallback>
+    <mc:Fallback xmlns="">
       <p:transition>
         <p:fade/>
       </p:transition>
@@ -3772,7 +3791,7 @@
           <a:p>
             <a:fld id="{ECD3910F-7A77-41D4-87AA-47FCD237B16D}" type="datetimeFigureOut">
               <a:rPr lang="en-US" smtClean="0"/>
-              <a:t>12/11/2024</a:t>
+              <a:t>11/28/2025</a:t>
             </a:fld>
             <a:endParaRPr lang="en-US"/>
           </a:p>
@@ -3830,13 +3849,13 @@
   <p:clrMapOvr>
     <a:masterClrMapping/>
   </p:clrMapOvr>
-  <mc:AlternateContent xmlns:mc="http://schemas.openxmlformats.org/markup-compatibility/2006">
-    <mc:Choice xmlns:p159="http://schemas.microsoft.com/office/powerpoint/2015/09/main" Requires="p159">
+  <mc:AlternateContent xmlns:mc="http://schemas.openxmlformats.org/markup-compatibility/2006" xmlns:p159="http://schemas.microsoft.com/office/powerpoint/2015/09/main">
+    <mc:Choice Requires="p159">
       <p:transition>
         <p159:morph option="byChar"/>
       </p:transition>
     </mc:Choice>
-    <mc:Fallback>
+    <mc:Fallback xmlns="">
       <p:transition>
         <p:fade/>
       </p:transition>
@@ -4097,7 +4116,7 @@
           <a:p>
             <a:fld id="{ECD3910F-7A77-41D4-87AA-47FCD237B16D}" type="datetimeFigureOut">
               <a:rPr lang="en-US" smtClean="0"/>
-              <a:t>12/11/2024</a:t>
+              <a:t>11/28/2025</a:t>
             </a:fld>
             <a:endParaRPr lang="en-US"/>
           </a:p>
@@ -4155,13 +4174,13 @@
   <p:clrMapOvr>
     <a:masterClrMapping/>
   </p:clrMapOvr>
-  <mc:AlternateContent xmlns:mc="http://schemas.openxmlformats.org/markup-compatibility/2006">
-    <mc:Choice xmlns:p159="http://schemas.microsoft.com/office/powerpoint/2015/09/main" Requires="p159">
+  <mc:AlternateContent xmlns:mc="http://schemas.openxmlformats.org/markup-compatibility/2006" xmlns:p159="http://schemas.microsoft.com/office/powerpoint/2015/09/main">
+    <mc:Choice Requires="p159">
       <p:transition>
         <p159:morph option="byChar"/>
       </p:transition>
     </mc:Choice>
-    <mc:Fallback>
+    <mc:Fallback xmlns="">
       <p:transition>
         <p:fade/>
       </p:transition>
@@ -4373,7 +4392,7 @@
           <a:p>
             <a:fld id="{ECD3910F-7A77-41D4-87AA-47FCD237B16D}" type="datetimeFigureOut">
               <a:rPr lang="en-US" smtClean="0"/>
-              <a:t>12/11/2024</a:t>
+              <a:t>11/28/2025</a:t>
             </a:fld>
             <a:endParaRPr lang="en-US"/>
           </a:p>
@@ -4445,13 +4464,13 @@
   <p:clrMapOvr>
     <a:masterClrMapping/>
   </p:clrMapOvr>
-  <mc:AlternateContent xmlns:mc="http://schemas.openxmlformats.org/markup-compatibility/2006">
-    <mc:Choice xmlns:p159="http://schemas.microsoft.com/office/powerpoint/2015/09/main" Requires="p159">
+  <mc:AlternateContent xmlns:mc="http://schemas.openxmlformats.org/markup-compatibility/2006" xmlns:p159="http://schemas.microsoft.com/office/powerpoint/2015/09/main">
+    <mc:Choice Requires="p159">
       <p:transition>
         <p159:morph option="byChar"/>
       </p:transition>
     </mc:Choice>
-    <mc:Fallback>
+    <mc:Fallback xmlns="">
       <p:transition>
         <p:fade/>
       </p:transition>
@@ -4708,7 +4727,7 @@
           <a:p>
             <a:fld id="{ECD3910F-7A77-41D4-87AA-47FCD237B16D}" type="datetimeFigureOut">
               <a:rPr lang="en-US" smtClean="0"/>
-              <a:t>12/11/2024</a:t>
+              <a:t>11/28/2025</a:t>
             </a:fld>
             <a:endParaRPr lang="en-US"/>
           </a:p>
@@ -4766,13 +4785,13 @@
   <p:clrMapOvr>
     <a:masterClrMapping/>
   </p:clrMapOvr>
-  <mc:AlternateContent xmlns:mc="http://schemas.openxmlformats.org/markup-compatibility/2006">
-    <mc:Choice xmlns:p159="http://schemas.microsoft.com/office/powerpoint/2015/09/main" Requires="p159">
+  <mc:AlternateContent xmlns:mc="http://schemas.openxmlformats.org/markup-compatibility/2006" xmlns:p159="http://schemas.microsoft.com/office/powerpoint/2015/09/main">
+    <mc:Choice Requires="p159">
       <p:transition>
         <p159:morph option="byChar"/>
       </p:transition>
     </mc:Choice>
-    <mc:Fallback>
+    <mc:Fallback xmlns="">
       <p:transition>
         <p:fade/>
       </p:transition>
@@ -5109,7 +5128,7 @@
           <a:p>
             <a:fld id="{ECD3910F-7A77-41D4-87AA-47FCD237B16D}" type="datetimeFigureOut">
               <a:rPr lang="en-US" smtClean="0"/>
-              <a:t>12/11/2024</a:t>
+              <a:t>11/28/2025</a:t>
             </a:fld>
             <a:endParaRPr lang="en-US"/>
           </a:p>
@@ -5172,13 +5191,13 @@
   <p:clrMapOvr>
     <a:masterClrMapping/>
   </p:clrMapOvr>
-  <mc:AlternateContent xmlns:mc="http://schemas.openxmlformats.org/markup-compatibility/2006">
-    <mc:Choice xmlns:p159="http://schemas.microsoft.com/office/powerpoint/2015/09/main" Requires="p159">
+  <mc:AlternateContent xmlns:mc="http://schemas.openxmlformats.org/markup-compatibility/2006" xmlns:p159="http://schemas.microsoft.com/office/powerpoint/2015/09/main">
+    <mc:Choice Requires="p159">
       <p:transition>
         <p159:morph option="byChar"/>
       </p:transition>
     </mc:Choice>
-    <mc:Fallback>
+    <mc:Fallback xmlns="">
       <p:transition>
         <p:fade/>
       </p:transition>
@@ -5497,7 +5516,7 @@
           <a:p>
             <a:fld id="{ECD3910F-7A77-41D4-87AA-47FCD237B16D}" type="datetimeFigureOut">
               <a:rPr lang="en-US" smtClean="0"/>
-              <a:t>12/11/2024</a:t>
+              <a:t>11/28/2025</a:t>
             </a:fld>
             <a:endParaRPr lang="en-US"/>
           </a:p>
@@ -5555,13 +5574,13 @@
   <p:clrMapOvr>
     <a:masterClrMapping/>
   </p:clrMapOvr>
-  <mc:AlternateContent xmlns:mc="http://schemas.openxmlformats.org/markup-compatibility/2006">
-    <mc:Choice xmlns:p159="http://schemas.microsoft.com/office/powerpoint/2015/09/main" Requires="p159">
+  <mc:AlternateContent xmlns:mc="http://schemas.openxmlformats.org/markup-compatibility/2006" xmlns:p159="http://schemas.microsoft.com/office/powerpoint/2015/09/main">
+    <mc:Choice Requires="p159">
       <p:transition>
         <p159:morph option="byChar"/>
       </p:transition>
     </mc:Choice>
-    <mc:Fallback>
+    <mc:Fallback xmlns="">
       <p:transition>
         <p:fade/>
       </p:transition>
@@ -6015,7 +6034,7 @@
           <a:p>
             <a:fld id="{ECD3910F-7A77-41D4-87AA-47FCD237B16D}" type="datetimeFigureOut">
               <a:rPr lang="en-US" smtClean="0"/>
-              <a:t>12/11/2024</a:t>
+              <a:t>11/28/2025</a:t>
             </a:fld>
             <a:endParaRPr lang="en-US"/>
           </a:p>
@@ -6073,13 +6092,13 @@
   <p:clrMapOvr>
     <a:masterClrMapping/>
   </p:clrMapOvr>
-  <mc:AlternateContent xmlns:mc="http://schemas.openxmlformats.org/markup-compatibility/2006">
-    <mc:Choice xmlns:p159="http://schemas.microsoft.com/office/powerpoint/2015/09/main" Requires="p159">
+  <mc:AlternateContent xmlns:mc="http://schemas.openxmlformats.org/markup-compatibility/2006" xmlns:p159="http://schemas.microsoft.com/office/powerpoint/2015/09/main">
+    <mc:Choice Requires="p159">
       <p:transition>
         <p159:morph option="byChar"/>
       </p:transition>
     </mc:Choice>
-    <mc:Fallback>
+    <mc:Fallback xmlns="">
       <p:transition>
         <p:fade/>
       </p:transition>
@@ -6284,7 +6303,7 @@
           <a:p>
             <a:fld id="{ECD3910F-7A77-41D4-87AA-47FCD237B16D}" type="datetimeFigureOut">
               <a:rPr lang="en-US" smtClean="0"/>
-              <a:t>12/11/2024</a:t>
+              <a:t>11/28/2025</a:t>
             </a:fld>
             <a:endParaRPr lang="en-US"/>
           </a:p>
@@ -6342,13 +6361,13 @@
   <p:clrMapOvr>
     <a:masterClrMapping/>
   </p:clrMapOvr>
-  <mc:AlternateContent xmlns:mc="http://schemas.openxmlformats.org/markup-compatibility/2006">
-    <mc:Choice xmlns:p159="http://schemas.microsoft.com/office/powerpoint/2015/09/main" Requires="p159">
+  <mc:AlternateContent xmlns:mc="http://schemas.openxmlformats.org/markup-compatibility/2006" xmlns:p159="http://schemas.microsoft.com/office/powerpoint/2015/09/main">
+    <mc:Choice Requires="p159">
       <p:transition>
         <p159:morph option="byChar"/>
       </p:transition>
     </mc:Choice>
-    <mc:Fallback>
+    <mc:Fallback xmlns="">
       <p:transition>
         <p:fade/>
       </p:transition>
@@ -6459,7 +6478,7 @@
           <a:p>
             <a:fld id="{ECD3910F-7A77-41D4-87AA-47FCD237B16D}" type="datetimeFigureOut">
               <a:rPr lang="en-US" smtClean="0"/>
-              <a:t>12/11/2024</a:t>
+              <a:t>11/28/2025</a:t>
             </a:fld>
             <a:endParaRPr lang="en-US"/>
           </a:p>
@@ -6517,13 +6536,13 @@
   <p:clrMapOvr>
     <a:masterClrMapping/>
   </p:clrMapOvr>
-  <mc:AlternateContent xmlns:mc="http://schemas.openxmlformats.org/markup-compatibility/2006">
-    <mc:Choice xmlns:p159="http://schemas.microsoft.com/office/powerpoint/2015/09/main" Requires="p159">
+  <mc:AlternateContent xmlns:mc="http://schemas.openxmlformats.org/markup-compatibility/2006" xmlns:p159="http://schemas.microsoft.com/office/powerpoint/2015/09/main">
+    <mc:Choice Requires="p159">
       <p:transition>
         <p159:morph option="byChar"/>
       </p:transition>
     </mc:Choice>
-    <mc:Fallback>
+    <mc:Fallback xmlns="">
       <p:transition>
         <p:fade/>
       </p:transition>
@@ -6861,7 +6880,7 @@
           <a:p>
             <a:fld id="{ECD3910F-7A77-41D4-87AA-47FCD237B16D}" type="datetimeFigureOut">
               <a:rPr lang="en-US" smtClean="0"/>
-              <a:t>12/11/2024</a:t>
+              <a:t>11/28/2025</a:t>
             </a:fld>
             <a:endParaRPr lang="en-US"/>
           </a:p>
@@ -6919,13 +6938,13 @@
   <p:clrMapOvr>
     <a:masterClrMapping/>
   </p:clrMapOvr>
-  <mc:AlternateContent xmlns:mc="http://schemas.openxmlformats.org/markup-compatibility/2006">
-    <mc:Choice xmlns:p159="http://schemas.microsoft.com/office/powerpoint/2015/09/main" Requires="p159">
+  <mc:AlternateContent xmlns:mc="http://schemas.openxmlformats.org/markup-compatibility/2006" xmlns:p159="http://schemas.microsoft.com/office/powerpoint/2015/09/main">
+    <mc:Choice Requires="p159">
       <p:transition>
         <p159:morph option="byChar"/>
       </p:transition>
     </mc:Choice>
-    <mc:Fallback>
+    <mc:Fallback xmlns="">
       <p:transition>
         <p:fade/>
       </p:transition>
@@ -7282,7 +7301,7 @@
           <a:p>
             <a:fld id="{ECD3910F-7A77-41D4-87AA-47FCD237B16D}" type="datetimeFigureOut">
               <a:rPr lang="en-US" smtClean="0"/>
-              <a:t>12/11/2024</a:t>
+              <a:t>11/28/2025</a:t>
             </a:fld>
             <a:endParaRPr lang="en-US"/>
           </a:p>
@@ -7340,13 +7359,13 @@
   <p:clrMapOvr>
     <a:masterClrMapping/>
   </p:clrMapOvr>
-  <mc:AlternateContent xmlns:mc="http://schemas.openxmlformats.org/markup-compatibility/2006">
-    <mc:Choice xmlns:p159="http://schemas.microsoft.com/office/powerpoint/2015/09/main" Requires="p159">
+  <mc:AlternateContent xmlns:mc="http://schemas.openxmlformats.org/markup-compatibility/2006" xmlns:p159="http://schemas.microsoft.com/office/powerpoint/2015/09/main">
+    <mc:Choice Requires="p159">
       <p:transition>
         <p159:morph option="byChar"/>
       </p:transition>
     </mc:Choice>
-    <mc:Fallback>
+    <mc:Fallback xmlns="">
       <p:transition>
         <p:fade/>
       </p:transition>
@@ -7538,7 +7557,7 @@
           <a:p>
             <a:fld id="{ECD3910F-7A77-41D4-87AA-47FCD237B16D}" type="datetimeFigureOut">
               <a:rPr lang="en-US" smtClean="0"/>
-              <a:t>12/11/2024</a:t>
+              <a:t>11/28/2025</a:t>
             </a:fld>
             <a:endParaRPr lang="en-US"/>
           </a:p>
@@ -7649,13 +7668,13 @@
     <p:sldLayoutId id="2147483676" r:id="rId16"/>
     <p:sldLayoutId id="2147483677" r:id="rId17"/>
   </p:sldLayoutIdLst>
-  <mc:AlternateContent xmlns:mc="http://schemas.openxmlformats.org/markup-compatibility/2006">
-    <mc:Choice xmlns:p159="http://schemas.microsoft.com/office/powerpoint/2015/09/main" Requires="p159">
+  <mc:AlternateContent xmlns:mc="http://schemas.openxmlformats.org/markup-compatibility/2006" xmlns:p159="http://schemas.microsoft.com/office/powerpoint/2015/09/main">
+    <mc:Choice Requires="p159">
       <p:transition>
         <p159:morph option="byChar"/>
       </p:transition>
     </mc:Choice>
-    <mc:Fallback>
+    <mc:Fallback xmlns="">
       <p:transition>
         <p:fade/>
       </p:transition>
@@ -7989,34 +8008,6 @@
           </a:p>
         </p:txBody>
       </p:sp>
-      <p:sp>
-        <p:nvSpPr>
-          <p:cNvPr id="3" name="Subtitle 2">
-            <a:extLst>
-              <a:ext uri="{FF2B5EF4-FFF2-40B4-BE49-F238E27FC236}">
-                <a16:creationId xmlns:a16="http://schemas.microsoft.com/office/drawing/2014/main" id="{1F7865D6-D10D-3929-5F27-DF7545592673}"/>
-              </a:ext>
-            </a:extLst>
-          </p:cNvPr>
-          <p:cNvSpPr>
-            <a:spLocks noGrp="1"/>
-          </p:cNvSpPr>
-          <p:nvPr>
-            <p:ph type="subTitle" idx="1"/>
-          </p:nvPr>
-        </p:nvSpPr>
-        <p:spPr/>
-        <p:txBody>
-          <a:bodyPr/>
-          <a:lstStyle/>
-          <a:p>
-            <a:r>
-              <a:rPr lang="en-US" dirty="0"/>
-              <a:t>Deekshith</a:t>
-            </a:r>
-          </a:p>
-        </p:txBody>
-      </p:sp>
     </p:spTree>
     <p:extLst>
       <p:ext uri="{BB962C8B-B14F-4D97-AF65-F5344CB8AC3E}">
@@ -8027,13 +8018,13 @@
   <p:clrMapOvr>
     <a:masterClrMapping/>
   </p:clrMapOvr>
-  <mc:AlternateContent xmlns:mc="http://schemas.openxmlformats.org/markup-compatibility/2006">
-    <mc:Choice xmlns:p159="http://schemas.microsoft.com/office/powerpoint/2015/09/main" Requires="p159">
+  <mc:AlternateContent xmlns:mc="http://schemas.openxmlformats.org/markup-compatibility/2006" xmlns:p159="http://schemas.microsoft.com/office/powerpoint/2015/09/main">
+    <mc:Choice Requires="p159">
       <p:transition>
         <p159:morph option="byChar"/>
       </p:transition>
     </mc:Choice>
-    <mc:Fallback>
+    <mc:Fallback xmlns="">
       <p:transition>
         <p:fade/>
       </p:transition>
@@ -8175,13 +8166,13 @@
   <p:clrMapOvr>
     <a:masterClrMapping/>
   </p:clrMapOvr>
-  <mc:AlternateContent xmlns:mc="http://schemas.openxmlformats.org/markup-compatibility/2006">
-    <mc:Choice xmlns:p159="http://schemas.microsoft.com/office/powerpoint/2015/09/main" Requires="p159">
+  <mc:AlternateContent xmlns:mc="http://schemas.openxmlformats.org/markup-compatibility/2006" xmlns:p159="http://schemas.microsoft.com/office/powerpoint/2015/09/main">
+    <mc:Choice Requires="p159">
       <p:transition>
         <p159:morph option="byChar"/>
       </p:transition>
     </mc:Choice>
-    <mc:Fallback>
+    <mc:Fallback xmlns="">
       <p:transition>
         <p:fade/>
       </p:transition>
@@ -8369,13 +8360,13 @@
   <p:clrMapOvr>
     <a:masterClrMapping/>
   </p:clrMapOvr>
-  <mc:AlternateContent xmlns:mc="http://schemas.openxmlformats.org/markup-compatibility/2006">
-    <mc:Choice xmlns:p159="http://schemas.microsoft.com/office/powerpoint/2015/09/main" Requires="p159">
+  <mc:AlternateContent xmlns:mc="http://schemas.openxmlformats.org/markup-compatibility/2006" xmlns:p159="http://schemas.microsoft.com/office/powerpoint/2015/09/main">
+    <mc:Choice Requires="p159">
       <p:transition>
         <p159:morph option="byChar"/>
       </p:transition>
     </mc:Choice>
-    <mc:Fallback>
+    <mc:Fallback xmlns="">
       <p:transition>
         <p:fade/>
       </p:transition>
